--- a/PPT/Lec2/3-Laravel View.pptx
+++ b/PPT/Lec2/3-Laravel View.pptx
@@ -12,6 +12,8 @@
     <p:sldId id="258" r:id="rId6"/>
     <p:sldId id="259" r:id="rId7"/>
     <p:sldId id="260" r:id="rId8"/>
+    <p:sldId id="263" r:id="rId9"/>
+    <p:sldId id="264" r:id="rId10"/>
   </p:sldIdLst>
   <p:sldSz cx="9144000" cy="6858000" type="screen4x3"/>
   <p:notesSz cx="6858000" cy="9144000"/>
@@ -295,7 +297,7 @@
             <a:fld id="{1D8BD707-D9CF-40AE-B4C6-C98DA3205C09}" type="datetimeFigureOut">
               <a:rPr lang="en-US" smtClean="0"/>
               <a:pPr/>
-              <a:t>12/10/2018</a:t>
+              <a:t>12/11/2018</a:t>
             </a:fld>
             <a:endParaRPr lang="en-US"/>
           </a:p>
@@ -462,7 +464,7 @@
             <a:fld id="{1D8BD707-D9CF-40AE-B4C6-C98DA3205C09}" type="datetimeFigureOut">
               <a:rPr lang="en-US" smtClean="0"/>
               <a:pPr/>
-              <a:t>12/10/2018</a:t>
+              <a:t>12/11/2018</a:t>
             </a:fld>
             <a:endParaRPr lang="en-US"/>
           </a:p>
@@ -639,7 +641,7 @@
             <a:fld id="{1D8BD707-D9CF-40AE-B4C6-C98DA3205C09}" type="datetimeFigureOut">
               <a:rPr lang="en-US" smtClean="0"/>
               <a:pPr/>
-              <a:t>12/10/2018</a:t>
+              <a:t>12/11/2018</a:t>
             </a:fld>
             <a:endParaRPr lang="en-US"/>
           </a:p>
@@ -806,7 +808,7 @@
             <a:fld id="{1D8BD707-D9CF-40AE-B4C6-C98DA3205C09}" type="datetimeFigureOut">
               <a:rPr lang="en-US" smtClean="0"/>
               <a:pPr/>
-              <a:t>12/10/2018</a:t>
+              <a:t>12/11/2018</a:t>
             </a:fld>
             <a:endParaRPr lang="en-US"/>
           </a:p>
@@ -1049,7 +1051,7 @@
             <a:fld id="{1D8BD707-D9CF-40AE-B4C6-C98DA3205C09}" type="datetimeFigureOut">
               <a:rPr lang="en-US" smtClean="0"/>
               <a:pPr/>
-              <a:t>12/10/2018</a:t>
+              <a:t>12/11/2018</a:t>
             </a:fld>
             <a:endParaRPr lang="en-US"/>
           </a:p>
@@ -1334,7 +1336,7 @@
             <a:fld id="{1D8BD707-D9CF-40AE-B4C6-C98DA3205C09}" type="datetimeFigureOut">
               <a:rPr lang="en-US" smtClean="0"/>
               <a:pPr/>
-              <a:t>12/10/2018</a:t>
+              <a:t>12/11/2018</a:t>
             </a:fld>
             <a:endParaRPr lang="en-US"/>
           </a:p>
@@ -1753,7 +1755,7 @@
             <a:fld id="{1D8BD707-D9CF-40AE-B4C6-C98DA3205C09}" type="datetimeFigureOut">
               <a:rPr lang="en-US" smtClean="0"/>
               <a:pPr/>
-              <a:t>12/10/2018</a:t>
+              <a:t>12/11/2018</a:t>
             </a:fld>
             <a:endParaRPr lang="en-US"/>
           </a:p>
@@ -1868,7 +1870,7 @@
             <a:fld id="{1D8BD707-D9CF-40AE-B4C6-C98DA3205C09}" type="datetimeFigureOut">
               <a:rPr lang="en-US" smtClean="0"/>
               <a:pPr/>
-              <a:t>12/10/2018</a:t>
+              <a:t>12/11/2018</a:t>
             </a:fld>
             <a:endParaRPr lang="en-US"/>
           </a:p>
@@ -1960,7 +1962,7 @@
             <a:fld id="{1D8BD707-D9CF-40AE-B4C6-C98DA3205C09}" type="datetimeFigureOut">
               <a:rPr lang="en-US" smtClean="0"/>
               <a:pPr/>
-              <a:t>12/10/2018</a:t>
+              <a:t>12/11/2018</a:t>
             </a:fld>
             <a:endParaRPr lang="en-US"/>
           </a:p>
@@ -2234,7 +2236,7 @@
             <a:fld id="{1D8BD707-D9CF-40AE-B4C6-C98DA3205C09}" type="datetimeFigureOut">
               <a:rPr lang="en-US" smtClean="0"/>
               <a:pPr/>
-              <a:t>12/10/2018</a:t>
+              <a:t>12/11/2018</a:t>
             </a:fld>
             <a:endParaRPr lang="en-US"/>
           </a:p>
@@ -2484,7 +2486,7 @@
             <a:fld id="{1D8BD707-D9CF-40AE-B4C6-C98DA3205C09}" type="datetimeFigureOut">
               <a:rPr lang="en-US" smtClean="0"/>
               <a:pPr/>
-              <a:t>12/10/2018</a:t>
+              <a:t>12/11/2018</a:t>
             </a:fld>
             <a:endParaRPr lang="en-US"/>
           </a:p>
@@ -2694,7 +2696,7 @@
             <a:fld id="{1D8BD707-D9CF-40AE-B4C6-C98DA3205C09}" type="datetimeFigureOut">
               <a:rPr lang="en-US" smtClean="0"/>
               <a:pPr/>
-              <a:t>12/10/2018</a:t>
+              <a:t>12/11/2018</a:t>
             </a:fld>
             <a:endParaRPr lang="en-US"/>
           </a:p>
@@ -3164,10 +3166,14 @@
               <a:t>View</a:t>
             </a:r>
             <a:r>
+              <a:rPr lang="en-US" b="1" dirty="0" smtClean="0"/>
+              <a:t>  </a:t>
+            </a:r>
+            <a:r>
               <a:rPr lang="en-US" b="1" dirty="0" smtClean="0">
                 <a:hlinkClick r:id="rId3"/>
               </a:rPr>
-              <a:t> </a:t>
+              <a:t>Blade syntax </a:t>
             </a:r>
             <a:r>
               <a:rPr lang="en-US" b="1" dirty="0" smtClean="0"/>
@@ -3214,16 +3220,17 @@
           </a:bodyPr>
           <a:lstStyle/>
           <a:p>
-            <a:endParaRPr lang="en-US" sz="2800" b="1" dirty="0" smtClean="0"/>
-          </a:p>
-          <a:p>
             <a:pPr>
               <a:buFont typeface="+mj-lt"/>
               <a:buAutoNum type="arabicPeriod"/>
             </a:pPr>
             <a:r>
               <a:rPr lang="en-US" sz="2800" b="1" dirty="0" smtClean="0"/>
-              <a:t>Quick review </a:t>
+              <a:t>Quick </a:t>
+            </a:r>
+            <a:r>
+              <a:rPr lang="en-US" sz="2800" b="1" dirty="0" smtClean="0"/>
+              <a:t>review </a:t>
             </a:r>
             <a:r>
               <a:rPr lang="en-US" sz="2800" b="1" dirty="0" err="1" smtClean="0"/>
@@ -3241,26 +3248,9 @@
               <a:buAutoNum type="arabicPeriod"/>
             </a:pPr>
             <a:r>
-              <a:rPr lang="en-US" sz="2800" b="1" dirty="0" smtClean="0"/>
-              <a:t> </a:t>
-            </a:r>
-            <a:r>
-              <a:rPr lang="en-US" sz="2800" b="1" dirty="0" smtClean="0">
-                <a:hlinkClick r:id="rId2"/>
-              </a:rPr>
-              <a:t>View</a:t>
-            </a:r>
-            <a:r>
-              <a:rPr lang="en-US" sz="2800" b="1" dirty="0" smtClean="0"/>
-              <a:t>  </a:t>
-            </a:r>
-            <a:r>
-              <a:rPr lang="en-US" sz="2800" b="1" dirty="0" smtClean="0">
-                <a:hlinkClick r:id="rId4"/>
-              </a:rPr>
-              <a:t>Blade syntax </a:t>
-            </a:r>
-            <a:endParaRPr lang="ar-EG" sz="2800" b="1" dirty="0" smtClean="0"/>
+              <a:rPr lang="en-US" sz="2800" dirty="0" smtClean="0"/>
+              <a:t>Basic output</a:t>
+            </a:r>
           </a:p>
           <a:p>
             <a:pPr>
@@ -3268,10 +3258,10 @@
               <a:buAutoNum type="arabicPeriod"/>
             </a:pPr>
             <a:r>
-              <a:rPr lang="en-US" sz="2800" b="1" dirty="0" smtClean="0"/>
-              <a:t>pass data from Action to View </a:t>
-            </a:r>
-            <a:endParaRPr lang="ar-EG" sz="2800" b="1" dirty="0" smtClean="0"/>
+              <a:rPr lang="en-US" sz="2800" dirty="0" smtClean="0"/>
+              <a:t>Path Control </a:t>
+            </a:r>
+            <a:endParaRPr lang="en-US" sz="2800" dirty="0" smtClean="0"/>
           </a:p>
           <a:p>
             <a:pPr>
@@ -3280,8 +3270,78 @@
             </a:pPr>
             <a:r>
               <a:rPr lang="en-US" sz="2800" b="1" dirty="0" smtClean="0"/>
+              <a:t>Template </a:t>
+            </a:r>
+            <a:r>
+              <a:rPr lang="en-US" sz="2800" b="1" dirty="0" smtClean="0"/>
+              <a:t>inheritance </a:t>
+            </a:r>
+            <a:r>
+              <a:rPr lang="en-US" sz="2800" b="1" dirty="0" smtClean="0"/>
               <a:t>Layouts </a:t>
             </a:r>
+          </a:p>
+          <a:p>
+            <a:pPr>
+              <a:buFont typeface="+mj-lt"/>
+              <a:buAutoNum type="arabicPeriod"/>
+            </a:pPr>
+            <a:r>
+              <a:rPr lang="en-US" sz="2800" b="1" dirty="0" smtClean="0">
+                <a:hlinkClick r:id="rId3"/>
+              </a:rPr>
+              <a:t>Including</a:t>
+            </a:r>
+            <a:endParaRPr lang="en-US" sz="2800" b="1" dirty="0" smtClean="0"/>
+          </a:p>
+          <a:p>
+            <a:pPr>
+              <a:buFont typeface="+mj-lt"/>
+              <a:buAutoNum type="arabicPeriod"/>
+            </a:pPr>
+            <a:r>
+              <a:rPr lang="en-US" sz="2800" b="1" dirty="0" smtClean="0">
+                <a:hlinkClick r:id="rId3"/>
+              </a:rPr>
+              <a:t>Forms</a:t>
+            </a:r>
+            <a:endParaRPr lang="en-US" sz="2800" b="1" dirty="0" smtClean="0"/>
+          </a:p>
+          <a:p>
+            <a:pPr>
+              <a:buFont typeface="+mj-lt"/>
+              <a:buAutoNum type="arabicPeriod"/>
+            </a:pPr>
+            <a:r>
+              <a:rPr lang="en-US" sz="2800" b="1" dirty="0" smtClean="0"/>
+              <a:t>Rendering </a:t>
+            </a:r>
+            <a:r>
+              <a:rPr lang="en-US" sz="2800" b="1" dirty="0" smtClean="0"/>
+              <a:t>JSON</a:t>
+            </a:r>
+          </a:p>
+          <a:p>
+            <a:pPr>
+              <a:buFont typeface="+mj-lt"/>
+              <a:buAutoNum type="arabicPeriod"/>
+            </a:pPr>
+            <a:r>
+              <a:rPr lang="en-US" sz="2800" b="1" dirty="0" smtClean="0"/>
+              <a:t>multi language</a:t>
+            </a:r>
+            <a:endParaRPr lang="ar-EG" sz="2800" b="1" dirty="0" smtClean="0"/>
+          </a:p>
+          <a:p>
+            <a:pPr>
+              <a:buFont typeface="+mj-lt"/>
+              <a:buAutoNum type="arabicPeriod"/>
+            </a:pPr>
+            <a:r>
+              <a:rPr lang="en-US" sz="2800" b="1" dirty="0" smtClean="0"/>
+              <a:t>pass data from Action to View </a:t>
+            </a:r>
+            <a:endParaRPr lang="ar-EG" sz="2800" b="1" dirty="0" smtClean="0"/>
           </a:p>
           <a:p>
             <a:endParaRPr lang="en-US" sz="2800" b="1" dirty="0" smtClean="0"/>
@@ -3627,41 +3687,109 @@
           <a:p>
             <a:r>
               <a:rPr lang="en-US" dirty="0" smtClean="0"/>
-              <a:t>@if, @</a:t>
-            </a:r>
-            <a:r>
-              <a:rPr lang="en-US" dirty="0" err="1" smtClean="0"/>
+              <a:t>@</a:t>
+            </a:r>
+            <a:r>
+              <a:rPr lang="en-US" dirty="0" smtClean="0">
+                <a:solidFill>
+                  <a:srgbClr val="0070C0"/>
+                </a:solidFill>
+              </a:rPr>
+              <a:t>if</a:t>
+            </a:r>
+            <a:r>
+              <a:rPr lang="en-US" dirty="0" smtClean="0"/>
+              <a:t>, @</a:t>
+            </a:r>
+            <a:r>
+              <a:rPr lang="en-US" dirty="0" err="1" smtClean="0">
+                <a:solidFill>
+                  <a:srgbClr val="0070C0"/>
+                </a:solidFill>
+              </a:rPr>
               <a:t>elseif</a:t>
             </a:r>
             <a:r>
               <a:rPr lang="en-US" dirty="0" smtClean="0"/>
-              <a:t>, @else and @</a:t>
-            </a:r>
-            <a:r>
-              <a:rPr lang="en-US" dirty="0" err="1" smtClean="0"/>
+              <a:t>, @</a:t>
+            </a:r>
+            <a:r>
+              <a:rPr lang="en-US" dirty="0" smtClean="0">
+                <a:solidFill>
+                  <a:srgbClr val="0070C0"/>
+                </a:solidFill>
+              </a:rPr>
+              <a:t>else</a:t>
+            </a:r>
+            <a:r>
+              <a:rPr lang="en-US" dirty="0" smtClean="0"/>
+              <a:t> </a:t>
+            </a:r>
+            <a:r>
+              <a:rPr lang="en-US" dirty="0" smtClean="0">
+                <a:solidFill>
+                  <a:srgbClr val="0070C0"/>
+                </a:solidFill>
+              </a:rPr>
+              <a:t>and</a:t>
+            </a:r>
+            <a:r>
+              <a:rPr lang="en-US" dirty="0" smtClean="0"/>
+              <a:t> @</a:t>
+            </a:r>
+            <a:r>
+              <a:rPr lang="en-US" dirty="0" err="1" smtClean="0">
+                <a:solidFill>
+                  <a:srgbClr val="0070C0"/>
+                </a:solidFill>
+              </a:rPr>
               <a:t>endif</a:t>
             </a:r>
+            <a:endParaRPr lang="en-US" dirty="0" smtClean="0">
+              <a:solidFill>
+                <a:srgbClr val="0070C0"/>
+              </a:solidFill>
+            </a:endParaRPr>
+          </a:p>
+          <a:p>
+            <a:r>
+              <a:rPr lang="en-US" dirty="0" smtClean="0"/>
+              <a:t> @</a:t>
+            </a:r>
+            <a:r>
+              <a:rPr lang="en-US" dirty="0" smtClean="0">
+                <a:solidFill>
+                  <a:srgbClr val="0070C0"/>
+                </a:solidFill>
+              </a:rPr>
+              <a:t>unless</a:t>
+            </a:r>
+            <a:r>
+              <a:rPr lang="en-US" dirty="0" smtClean="0"/>
+              <a:t>, @</a:t>
+            </a:r>
+            <a:r>
+              <a:rPr lang="en-US" dirty="0" err="1" smtClean="0">
+                <a:solidFill>
+                  <a:srgbClr val="0070C0"/>
+                </a:solidFill>
+              </a:rPr>
+              <a:t>endunless</a:t>
+            </a:r>
+            <a:r>
+              <a:rPr lang="en-US" dirty="0" smtClean="0">
+                <a:solidFill>
+                  <a:srgbClr val="0070C0"/>
+                </a:solidFill>
+              </a:rPr>
+              <a:t> </a:t>
+            </a:r>
+          </a:p>
+          <a:p>
             <a:endParaRPr lang="en-US" dirty="0" smtClean="0"/>
           </a:p>
           <a:p>
             <a:r>
-              <a:rPr lang="en-US" dirty="0" smtClean="0"/>
-              <a:t> @unless, @</a:t>
-            </a:r>
-            <a:r>
-              <a:rPr lang="en-US" dirty="0" err="1" smtClean="0"/>
-              <a:t>endunless</a:t>
-            </a:r>
-            <a:r>
-              <a:rPr lang="en-US" dirty="0" smtClean="0"/>
-              <a:t> </a:t>
-            </a:r>
-          </a:p>
-          <a:p>
-            <a:endParaRPr lang="en-US" dirty="0" smtClean="0"/>
-          </a:p>
-          <a:p>
-            <a:r>
               <a:rPr lang="en-US" b="1" dirty="0" smtClean="0">
                 <a:solidFill>
                   <a:srgbClr val="00B050"/>
@@ -3673,13 +3801,33 @@
           <a:p>
             <a:r>
               <a:rPr lang="en-US" dirty="0" smtClean="0"/>
-              <a:t>@for...@</a:t>
-            </a:r>
-            <a:r>
-              <a:rPr lang="en-US" dirty="0" err="1" smtClean="0"/>
+              <a:t>@</a:t>
+            </a:r>
+            <a:r>
+              <a:rPr lang="en-US" dirty="0" smtClean="0">
+                <a:solidFill>
+                  <a:srgbClr val="0070C0"/>
+                </a:solidFill>
+              </a:rPr>
+              <a:t>for</a:t>
+            </a:r>
+            <a:r>
+              <a:rPr lang="en-US" dirty="0" smtClean="0"/>
+              <a:t>...@</a:t>
+            </a:r>
+            <a:r>
+              <a:rPr lang="en-US" dirty="0" err="1" smtClean="0">
+                <a:solidFill>
+                  <a:srgbClr val="0070C0"/>
+                </a:solidFill>
+              </a:rPr>
               <a:t>endfor</a:t>
             </a:r>
-            <a:endParaRPr lang="en-US" dirty="0" smtClean="0"/>
+            <a:endParaRPr lang="en-US" dirty="0" smtClean="0">
+              <a:solidFill>
+                <a:srgbClr val="0070C0"/>
+              </a:solidFill>
+            </a:endParaRPr>
           </a:p>
           <a:p>
             <a:r>
@@ -3687,7 +3835,11 @@
               <a:t>@</a:t>
             </a:r>
             <a:r>
-              <a:rPr lang="en-US" dirty="0" err="1" smtClean="0"/>
+              <a:rPr lang="en-US" dirty="0" err="1" smtClean="0">
+                <a:solidFill>
+                  <a:srgbClr val="0070C0"/>
+                </a:solidFill>
+              </a:rPr>
               <a:t>foreach</a:t>
             </a:r>
             <a:r>
@@ -3695,10 +3847,18 @@
               <a:t>...@</a:t>
             </a:r>
             <a:r>
-              <a:rPr lang="en-US" dirty="0" err="1" smtClean="0"/>
+              <a:rPr lang="en-US" dirty="0" err="1" smtClean="0">
+                <a:solidFill>
+                  <a:srgbClr val="0070C0"/>
+                </a:solidFill>
+              </a:rPr>
               <a:t>endforeach</a:t>
             </a:r>
-            <a:endParaRPr lang="en-US" dirty="0" smtClean="0"/>
+            <a:endParaRPr lang="en-US" dirty="0" smtClean="0">
+              <a:solidFill>
+                <a:srgbClr val="0070C0"/>
+              </a:solidFill>
+            </a:endParaRPr>
           </a:p>
           <a:p>
             <a:r>
@@ -3706,40 +3866,120 @@
               <a:t>@</a:t>
             </a:r>
             <a:r>
-              <a:rPr lang="en-US" dirty="0" err="1" smtClean="0"/>
+              <a:rPr lang="en-US" dirty="0" err="1" smtClean="0">
+                <a:solidFill>
+                  <a:srgbClr val="0070C0"/>
+                </a:solidFill>
+              </a:rPr>
               <a:t>forelse</a:t>
             </a:r>
             <a:r>
               <a:rPr lang="en-US" dirty="0" smtClean="0"/>
-              <a:t>...@empty...@</a:t>
-            </a:r>
-            <a:r>
-              <a:rPr lang="en-US" dirty="0" err="1" smtClean="0"/>
+              <a:t>...@</a:t>
+            </a:r>
+            <a:r>
+              <a:rPr lang="en-US" dirty="0" smtClean="0">
+                <a:solidFill>
+                  <a:srgbClr val="0070C0"/>
+                </a:solidFill>
+              </a:rPr>
+              <a:t>empty</a:t>
+            </a:r>
+            <a:r>
+              <a:rPr lang="en-US" dirty="0" smtClean="0"/>
+              <a:t>...@</a:t>
+            </a:r>
+            <a:r>
+              <a:rPr lang="en-US" dirty="0" err="1" smtClean="0">
+                <a:solidFill>
+                  <a:srgbClr val="0070C0"/>
+                </a:solidFill>
+              </a:rPr>
               <a:t>endforelse</a:t>
             </a:r>
-            <a:endParaRPr lang="en-US" dirty="0" smtClean="0"/>
-          </a:p>
-          <a:p>
-            <a:r>
-              <a:rPr lang="en-US" dirty="0" smtClean="0"/>
-              <a:t>@while...@</a:t>
-            </a:r>
-            <a:r>
-              <a:rPr lang="en-US" dirty="0" err="1" smtClean="0"/>
+            <a:endParaRPr lang="en-US" dirty="0" smtClean="0">
+              <a:solidFill>
+                <a:srgbClr val="0070C0"/>
+              </a:solidFill>
+            </a:endParaRPr>
+          </a:p>
+          <a:p>
+            <a:r>
+              <a:rPr lang="en-US" dirty="0" smtClean="0"/>
+              <a:t>@</a:t>
+            </a:r>
+            <a:r>
+              <a:rPr lang="en-US" dirty="0" smtClean="0">
+                <a:solidFill>
+                  <a:srgbClr val="0070C0"/>
+                </a:solidFill>
+              </a:rPr>
+              <a:t>while</a:t>
+            </a:r>
+            <a:r>
+              <a:rPr lang="en-US" dirty="0" smtClean="0"/>
+              <a:t>...@</a:t>
+            </a:r>
+            <a:r>
+              <a:rPr lang="en-US" dirty="0" err="1" smtClean="0">
+                <a:solidFill>
+                  <a:srgbClr val="0070C0"/>
+                </a:solidFill>
+              </a:rPr>
               <a:t>endwhile</a:t>
             </a:r>
-            <a:endParaRPr lang="en-US" dirty="0" smtClean="0"/>
-          </a:p>
-          <a:p>
-            <a:r>
-              <a:rPr lang="en-US" dirty="0" smtClean="0"/>
-              <a:t>@continue, @continue($user-&gt;type==1) </a:t>
-            </a:r>
-          </a:p>
-          <a:p>
-            <a:r>
-              <a:rPr lang="en-US" dirty="0" smtClean="0"/>
-              <a:t>@break, $break($user-&gt;type==1)</a:t>
+            <a:endParaRPr lang="en-US" dirty="0" smtClean="0">
+              <a:solidFill>
+                <a:srgbClr val="0070C0"/>
+              </a:solidFill>
+            </a:endParaRPr>
+          </a:p>
+          <a:p>
+            <a:r>
+              <a:rPr lang="en-US" dirty="0" smtClean="0"/>
+              <a:t>@</a:t>
+            </a:r>
+            <a:r>
+              <a:rPr lang="en-US" dirty="0" smtClean="0">
+                <a:solidFill>
+                  <a:srgbClr val="0070C0"/>
+                </a:solidFill>
+              </a:rPr>
+              <a:t>continue</a:t>
+            </a:r>
+            <a:r>
+              <a:rPr lang="en-US" dirty="0" smtClean="0"/>
+              <a:t>, @</a:t>
+            </a:r>
+            <a:r>
+              <a:rPr lang="en-US" dirty="0" smtClean="0">
+                <a:solidFill>
+                  <a:srgbClr val="0070C0"/>
+                </a:solidFill>
+              </a:rPr>
+              <a:t>continue</a:t>
+            </a:r>
+            <a:r>
+              <a:rPr lang="en-US" dirty="0" smtClean="0"/>
+              <a:t>($user-&gt;type==1) </a:t>
+            </a:r>
+          </a:p>
+          <a:p>
+            <a:r>
+              <a:rPr lang="en-US" dirty="0" smtClean="0"/>
+              <a:t>@</a:t>
+            </a:r>
+            <a:r>
+              <a:rPr lang="en-US" dirty="0" smtClean="0">
+                <a:solidFill>
+                  <a:srgbClr val="0070C0"/>
+                </a:solidFill>
+              </a:rPr>
+              <a:t>break</a:t>
+            </a:r>
+            <a:r>
+              <a:rPr lang="en-US" dirty="0" smtClean="0"/>
+              <a:t>, $break($user-&gt;type==1)</a:t>
             </a:r>
           </a:p>
           <a:p>
@@ -3878,21 +4118,57 @@
             <a:pPr lvl="1"/>
             <a:r>
               <a:rPr lang="en-US" dirty="0" smtClean="0"/>
-              <a:t>@yield('name') </a:t>
+              <a:t>@</a:t>
+            </a:r>
+            <a:r>
+              <a:rPr lang="en-US" dirty="0" smtClean="0">
+                <a:solidFill>
+                  <a:srgbClr val="0070C0"/>
+                </a:solidFill>
+              </a:rPr>
+              <a:t>yield</a:t>
+            </a:r>
+            <a:r>
+              <a:rPr lang="en-US" dirty="0" smtClean="0"/>
+              <a:t>('name') </a:t>
             </a:r>
           </a:p>
           <a:p>
             <a:pPr lvl="1"/>
             <a:r>
               <a:rPr lang="en-US" dirty="0" smtClean="0"/>
-              <a:t>@yield('x', 'y') - Yields the content of a section called x; defaults to y if x is not defined.</a:t>
+              <a:t>@</a:t>
+            </a:r>
+            <a:r>
+              <a:rPr lang="en-US" dirty="0" smtClean="0">
+                <a:solidFill>
+                  <a:srgbClr val="0070C0"/>
+                </a:solidFill>
+              </a:rPr>
+              <a:t>yield</a:t>
+            </a:r>
+            <a:r>
+              <a:rPr lang="en-US" dirty="0" smtClean="0"/>
+              <a:t>('x', 'y') - Yields the content of a section called x; defaults to y if x is not defined.</a:t>
             </a:r>
           </a:p>
           <a:p>
             <a:pPr lvl="1"/>
             <a:r>
               <a:rPr lang="en-US" dirty="0" smtClean="0"/>
-              <a:t>@section('name') </a:t>
+              <a:t>@</a:t>
+            </a:r>
+            <a:r>
+              <a:rPr lang="en-US" dirty="0" smtClean="0">
+                <a:solidFill>
+                  <a:srgbClr val="0070C0"/>
+                </a:solidFill>
+              </a:rPr>
+              <a:t>section</a:t>
+            </a:r>
+            <a:r>
+              <a:rPr lang="en-US" dirty="0" smtClean="0"/>
+              <a:t>('name') </a:t>
             </a:r>
           </a:p>
           <a:p>
@@ -3902,11 +4178,19 @@
               <a:t>@</a:t>
             </a:r>
             <a:r>
-              <a:rPr lang="en-US" dirty="0" err="1" smtClean="0"/>
+              <a:rPr lang="en-US" dirty="0" err="1" smtClean="0">
+                <a:solidFill>
+                  <a:srgbClr val="0070C0"/>
+                </a:solidFill>
+              </a:rPr>
               <a:t>endsection</a:t>
             </a:r>
             <a:r>
-              <a:rPr lang="en-US" dirty="0" smtClean="0"/>
+              <a:rPr lang="en-US" dirty="0" smtClean="0">
+                <a:solidFill>
+                  <a:srgbClr val="0070C0"/>
+                </a:solidFill>
+              </a:rPr>
               <a:t> </a:t>
             </a:r>
           </a:p>
@@ -3929,14 +4213,38 @@
             <a:pPr lvl="1"/>
             <a:r>
               <a:rPr lang="en-US" dirty="0" smtClean="0"/>
-              <a:t>@extends('template') </a:t>
+              <a:t>@</a:t>
+            </a:r>
+            <a:r>
+              <a:rPr lang="en-US" dirty="0" smtClean="0">
+                <a:solidFill>
+                  <a:srgbClr val="0070C0"/>
+                </a:solidFill>
+              </a:rPr>
+              <a:t>extends</a:t>
+            </a:r>
+            <a:r>
+              <a:rPr lang="en-US" dirty="0" smtClean="0"/>
+              <a:t>('template') </a:t>
             </a:r>
           </a:p>
           <a:p>
             <a:pPr lvl="1"/>
             <a:r>
               <a:rPr lang="en-US" dirty="0" smtClean="0"/>
-              <a:t>@section('name') </a:t>
+              <a:t>@</a:t>
+            </a:r>
+            <a:r>
+              <a:rPr lang="en-US" dirty="0" smtClean="0">
+                <a:solidFill>
+                  <a:srgbClr val="0070C0"/>
+                </a:solidFill>
+              </a:rPr>
+              <a:t>section</a:t>
+            </a:r>
+            <a:r>
+              <a:rPr lang="en-US" dirty="0" smtClean="0"/>
+              <a:t>('name') </a:t>
             </a:r>
           </a:p>
           <a:p>
@@ -3946,11 +4254,19 @@
               <a:t> @</a:t>
             </a:r>
             <a:r>
-              <a:rPr lang="en-US" dirty="0" err="1" smtClean="0"/>
+              <a:rPr lang="en-US" dirty="0" err="1" smtClean="0">
+                <a:solidFill>
+                  <a:srgbClr val="0070C0"/>
+                </a:solidFill>
+              </a:rPr>
               <a:t>endsection</a:t>
             </a:r>
             <a:r>
-              <a:rPr lang="en-US" dirty="0" smtClean="0"/>
+              <a:rPr lang="en-US" dirty="0" smtClean="0">
+                <a:solidFill>
+                  <a:srgbClr val="0070C0"/>
+                </a:solidFill>
+              </a:rPr>
               <a:t> </a:t>
             </a:r>
           </a:p>
@@ -3962,14 +4278,38 @@
             <a:pPr lvl="1"/>
             <a:r>
               <a:rPr lang="en-US" dirty="0" smtClean="0"/>
-              <a:t>@section('name', 'value') </a:t>
+              <a:t>@</a:t>
+            </a:r>
+            <a:r>
+              <a:rPr lang="en-US" dirty="0" smtClean="0">
+                <a:solidFill>
+                  <a:srgbClr val="0070C0"/>
+                </a:solidFill>
+              </a:rPr>
+              <a:t>section</a:t>
+            </a:r>
+            <a:r>
+              <a:rPr lang="en-US" dirty="0" smtClean="0"/>
+              <a:t>('name', 'value') </a:t>
             </a:r>
           </a:p>
           <a:p>
             <a:pPr lvl="1"/>
             <a:r>
               <a:rPr lang="en-US" dirty="0" smtClean="0"/>
-              <a:t>@section('name', $value)</a:t>
+              <a:t>@</a:t>
+            </a:r>
+            <a:r>
+              <a:rPr lang="en-US" dirty="0" smtClean="0">
+                <a:solidFill>
+                  <a:srgbClr val="0070C0"/>
+                </a:solidFill>
+              </a:rPr>
+              <a:t>section</a:t>
+            </a:r>
+            <a:r>
+              <a:rPr lang="en-US" dirty="0" smtClean="0"/>
+              <a:t>('name', $value)</a:t>
             </a:r>
           </a:p>
           <a:p>
@@ -4100,7 +4440,19 @@
             <a:pPr lvl="1"/>
             <a:r>
               <a:rPr lang="en-US" dirty="0" smtClean="0"/>
-              <a:t>@include('view.name'])</a:t>
+              <a:t>@</a:t>
+            </a:r>
+            <a:r>
+              <a:rPr lang="en-US" dirty="0" smtClean="0">
+                <a:solidFill>
+                  <a:srgbClr val="0070C0"/>
+                </a:solidFill>
+              </a:rPr>
+              <a:t>include</a:t>
+            </a:r>
+            <a:r>
+              <a:rPr lang="en-US" dirty="0" smtClean="0"/>
+              <a:t>('view.name'])</a:t>
             </a:r>
           </a:p>
           <a:p>
@@ -4111,7 +4463,19 @@
             <a:pPr lvl="1"/>
             <a:r>
               <a:rPr lang="en-US" dirty="0" smtClean="0"/>
-              <a:t>@include('view.name', ['some' =&gt; 'data'])</a:t>
+              <a:t>@</a:t>
+            </a:r>
+            <a:r>
+              <a:rPr lang="en-US" dirty="0" smtClean="0">
+                <a:solidFill>
+                  <a:srgbClr val="0070C0"/>
+                </a:solidFill>
+              </a:rPr>
+              <a:t>include</a:t>
+            </a:r>
+            <a:r>
+              <a:rPr lang="en-US" dirty="0" smtClean="0"/>
+              <a:t>('view.name', ['some' =&gt; 'data'])</a:t>
             </a:r>
           </a:p>
           <a:p>
@@ -4129,7 +4493,11 @@
               <a:t>@</a:t>
             </a:r>
             <a:r>
-              <a:rPr lang="en-US" dirty="0" err="1" smtClean="0"/>
+              <a:rPr lang="en-US" dirty="0" err="1" smtClean="0">
+                <a:solidFill>
+                  <a:srgbClr val="0070C0"/>
+                </a:solidFill>
+              </a:rPr>
               <a:t>includeIf</a:t>
             </a:r>
             <a:r>
@@ -4148,7 +4516,11 @@
               <a:t>@</a:t>
             </a:r>
             <a:r>
-              <a:rPr lang="en-US" dirty="0" err="1" smtClean="0"/>
+              <a:rPr lang="en-US" dirty="0" err="1" smtClean="0">
+                <a:solidFill>
+                  <a:srgbClr val="0070C0"/>
+                </a:solidFill>
+              </a:rPr>
               <a:t>includeWhen</a:t>
             </a:r>
             <a:r>
@@ -4378,6 +4750,380 @@
             <a:r>
               <a:rPr lang="en-US" dirty="0" smtClean="0"/>
               <a:t>	@method('PUT')</a:t>
+            </a:r>
+          </a:p>
+          <a:p>
+            <a:endParaRPr lang="en-US" dirty="0"/>
+          </a:p>
+        </p:txBody>
+      </p:sp>
+    </p:spTree>
+  </p:cSld>
+  <p:clrMapOvr>
+    <a:masterClrMapping/>
+  </p:clrMapOvr>
+</p:sld>
+</file>
+
+<file path=ppt/slides/slide8.xml><?xml version="1.0" encoding="utf-8"?>
+<p:sld xmlns:a="http://schemas.openxmlformats.org/drawingml/2006/main" xmlns:r="http://schemas.openxmlformats.org/officeDocument/2006/relationships" xmlns:p="http://schemas.openxmlformats.org/presentationml/2006/main">
+  <p:cSld>
+    <p:spTree>
+      <p:nvGrpSpPr>
+        <p:cNvPr id="1" name=""/>
+        <p:cNvGrpSpPr/>
+        <p:nvPr/>
+      </p:nvGrpSpPr>
+      <p:grpSpPr>
+        <a:xfrm>
+          <a:off x="0" y="0"/>
+          <a:ext cx="0" cy="0"/>
+          <a:chOff x="0" y="0"/>
+          <a:chExt cx="0" cy="0"/>
+        </a:xfrm>
+      </p:grpSpPr>
+      <p:sp>
+        <p:nvSpPr>
+          <p:cNvPr id="2" name="Title 1"/>
+          <p:cNvSpPr>
+            <a:spLocks noGrp="1"/>
+          </p:cNvSpPr>
+          <p:nvPr>
+            <p:ph type="title"/>
+          </p:nvPr>
+        </p:nvSpPr>
+        <p:spPr/>
+        <p:txBody>
+          <a:bodyPr>
+            <a:normAutofit fontScale="90000"/>
+          </a:bodyPr>
+          <a:lstStyle/>
+          <a:p>
+            <a:r>
+              <a:rPr lang="en-US" b="1" dirty="0" smtClean="0"/>
+              <a:t>Rendering JSON</a:t>
+            </a:r>
+            <a:br>
+              <a:rPr lang="en-US" b="1" dirty="0" smtClean="0"/>
+            </a:br>
+            <a:endParaRPr lang="en-US" dirty="0"/>
+          </a:p>
+        </p:txBody>
+      </p:sp>
+      <p:sp>
+        <p:nvSpPr>
+          <p:cNvPr id="3" name="Content Placeholder 2"/>
+          <p:cNvSpPr>
+            <a:spLocks noGrp="1"/>
+          </p:cNvSpPr>
+          <p:nvPr>
+            <p:ph idx="1"/>
+          </p:nvPr>
+        </p:nvSpPr>
+        <p:spPr/>
+        <p:txBody>
+          <a:bodyPr>
+            <a:normAutofit/>
+          </a:bodyPr>
+          <a:lstStyle/>
+          <a:p>
+            <a:pPr>
+              <a:buNone/>
+            </a:pPr>
+            <a:r>
+              <a:rPr lang="en-US" dirty="0" smtClean="0"/>
+              <a:t>&lt;</a:t>
+            </a:r>
+            <a:r>
+              <a:rPr lang="en-US" dirty="0" smtClean="0">
+                <a:solidFill>
+                  <a:srgbClr val="0070C0"/>
+                </a:solidFill>
+              </a:rPr>
+              <a:t>script</a:t>
+            </a:r>
+            <a:r>
+              <a:rPr lang="en-US" dirty="0" smtClean="0"/>
+              <a:t>&gt;</a:t>
+            </a:r>
+          </a:p>
+          <a:p>
+            <a:pPr>
+              <a:buNone/>
+            </a:pPr>
+            <a:r>
+              <a:rPr lang="en-US" dirty="0" smtClean="0"/>
+              <a:t> </a:t>
+            </a:r>
+            <a:r>
+              <a:rPr lang="en-US" sz="2800" dirty="0" smtClean="0"/>
+              <a:t>		</a:t>
+            </a:r>
+            <a:r>
+              <a:rPr lang="en-US" sz="2800" dirty="0" err="1" smtClean="0">
+                <a:solidFill>
+                  <a:srgbClr val="0070C0"/>
+                </a:solidFill>
+              </a:rPr>
+              <a:t>var</a:t>
+            </a:r>
+            <a:r>
+              <a:rPr lang="en-US" sz="2800" dirty="0" smtClean="0"/>
+              <a:t> </a:t>
+            </a:r>
+            <a:r>
+              <a:rPr lang="en-US" sz="2800" dirty="0" smtClean="0"/>
+              <a:t>app = &lt;?</a:t>
+            </a:r>
+            <a:r>
+              <a:rPr lang="en-US" sz="2800" dirty="0" err="1" smtClean="0">
+                <a:solidFill>
+                  <a:srgbClr val="0070C0"/>
+                </a:solidFill>
+              </a:rPr>
+              <a:t>php</a:t>
+            </a:r>
+            <a:r>
+              <a:rPr lang="en-US" sz="2800" dirty="0" smtClean="0"/>
+              <a:t> </a:t>
+            </a:r>
+            <a:r>
+              <a:rPr lang="en-US" sz="2800" dirty="0" smtClean="0">
+                <a:solidFill>
+                  <a:srgbClr val="0070C0"/>
+                </a:solidFill>
+              </a:rPr>
+              <a:t>echo</a:t>
+            </a:r>
+            <a:r>
+              <a:rPr lang="en-US" sz="2800" dirty="0" smtClean="0"/>
+              <a:t> </a:t>
+            </a:r>
+            <a:r>
+              <a:rPr lang="en-US" sz="2800" dirty="0" err="1" smtClean="0">
+                <a:solidFill>
+                  <a:srgbClr val="0070C0"/>
+                </a:solidFill>
+              </a:rPr>
+              <a:t>json_encode</a:t>
+            </a:r>
+            <a:r>
+              <a:rPr lang="en-US" sz="2800" dirty="0" smtClean="0"/>
+              <a:t>($array); </a:t>
+            </a:r>
+            <a:r>
+              <a:rPr lang="en-US" sz="2800" dirty="0" smtClean="0"/>
+              <a:t>?&gt;;</a:t>
+            </a:r>
+            <a:endParaRPr lang="en-US" dirty="0" smtClean="0"/>
+          </a:p>
+          <a:p>
+            <a:pPr>
+              <a:buNone/>
+            </a:pPr>
+            <a:r>
+              <a:rPr lang="en-US" dirty="0" smtClean="0"/>
+              <a:t> </a:t>
+            </a:r>
+            <a:r>
+              <a:rPr lang="en-US" dirty="0" smtClean="0"/>
+              <a:t>&lt;/</a:t>
+            </a:r>
+            <a:r>
+              <a:rPr lang="en-US" dirty="0" smtClean="0">
+                <a:solidFill>
+                  <a:srgbClr val="0070C0"/>
+                </a:solidFill>
+              </a:rPr>
+              <a:t>script</a:t>
+            </a:r>
+            <a:r>
+              <a:rPr lang="en-US" dirty="0" smtClean="0"/>
+              <a:t>&gt;</a:t>
+            </a:r>
+          </a:p>
+          <a:p>
+            <a:pPr>
+              <a:buNone/>
+            </a:pPr>
+            <a:endParaRPr lang="en-US" dirty="0" smtClean="0"/>
+          </a:p>
+          <a:p>
+            <a:pPr>
+              <a:buNone/>
+            </a:pPr>
+            <a:r>
+              <a:rPr lang="en-US" dirty="0" smtClean="0"/>
+              <a:t>&lt;</a:t>
+            </a:r>
+            <a:r>
+              <a:rPr lang="en-US" dirty="0" smtClean="0">
+                <a:solidFill>
+                  <a:srgbClr val="0070C0"/>
+                </a:solidFill>
+              </a:rPr>
+              <a:t>script</a:t>
+            </a:r>
+            <a:r>
+              <a:rPr lang="en-US" dirty="0" smtClean="0"/>
+              <a:t>&gt;</a:t>
+            </a:r>
+          </a:p>
+          <a:p>
+            <a:pPr>
+              <a:buNone/>
+            </a:pPr>
+            <a:r>
+              <a:rPr lang="en-US" dirty="0" smtClean="0"/>
+              <a:t> 		</a:t>
+            </a:r>
+            <a:r>
+              <a:rPr lang="en-US" dirty="0" err="1" smtClean="0">
+                <a:solidFill>
+                  <a:srgbClr val="0070C0"/>
+                </a:solidFill>
+              </a:rPr>
+              <a:t>var</a:t>
+            </a:r>
+            <a:r>
+              <a:rPr lang="en-US" dirty="0" smtClean="0"/>
+              <a:t> </a:t>
+            </a:r>
+            <a:r>
+              <a:rPr lang="en-US" dirty="0" smtClean="0"/>
+              <a:t>app = @</a:t>
+            </a:r>
+            <a:r>
+              <a:rPr lang="en-US" dirty="0" err="1" smtClean="0">
+                <a:solidFill>
+                  <a:srgbClr val="0070C0"/>
+                </a:solidFill>
+              </a:rPr>
+              <a:t>json</a:t>
+            </a:r>
+            <a:r>
+              <a:rPr lang="en-US" dirty="0" smtClean="0"/>
+              <a:t>($array</a:t>
+            </a:r>
+            <a:r>
+              <a:rPr lang="en-US" dirty="0" smtClean="0"/>
+              <a:t>);</a:t>
+            </a:r>
+          </a:p>
+          <a:p>
+            <a:pPr>
+              <a:buNone/>
+            </a:pPr>
+            <a:r>
+              <a:rPr lang="en-US" dirty="0" smtClean="0"/>
+              <a:t> </a:t>
+            </a:r>
+            <a:r>
+              <a:rPr lang="en-US" dirty="0" smtClean="0"/>
+              <a:t>&lt;/</a:t>
+            </a:r>
+            <a:r>
+              <a:rPr lang="en-US" dirty="0" smtClean="0">
+                <a:solidFill>
+                  <a:srgbClr val="0070C0"/>
+                </a:solidFill>
+              </a:rPr>
+              <a:t>script</a:t>
+            </a:r>
+            <a:r>
+              <a:rPr lang="en-US" dirty="0" smtClean="0"/>
+              <a:t>&gt;</a:t>
+            </a:r>
+            <a:endParaRPr lang="en-US" dirty="0"/>
+          </a:p>
+        </p:txBody>
+      </p:sp>
+    </p:spTree>
+  </p:cSld>
+  <p:clrMapOvr>
+    <a:masterClrMapping/>
+  </p:clrMapOvr>
+</p:sld>
+</file>
+
+<file path=ppt/slides/slide9.xml><?xml version="1.0" encoding="utf-8"?>
+<p:sld xmlns:a="http://schemas.openxmlformats.org/drawingml/2006/main" xmlns:r="http://schemas.openxmlformats.org/officeDocument/2006/relationships" xmlns:p="http://schemas.openxmlformats.org/presentationml/2006/main">
+  <p:cSld>
+    <p:spTree>
+      <p:nvGrpSpPr>
+        <p:cNvPr id="1" name=""/>
+        <p:cNvGrpSpPr/>
+        <p:nvPr/>
+      </p:nvGrpSpPr>
+      <p:grpSpPr>
+        <a:xfrm>
+          <a:off x="0" y="0"/>
+          <a:ext cx="0" cy="0"/>
+          <a:chOff x="0" y="0"/>
+          <a:chExt cx="0" cy="0"/>
+        </a:xfrm>
+      </p:grpSpPr>
+      <p:sp>
+        <p:nvSpPr>
+          <p:cNvPr id="2" name="Title 1"/>
+          <p:cNvSpPr>
+            <a:spLocks noGrp="1"/>
+          </p:cNvSpPr>
+          <p:nvPr>
+            <p:ph type="title"/>
+          </p:nvPr>
+        </p:nvSpPr>
+        <p:spPr/>
+        <p:txBody>
+          <a:bodyPr/>
+          <a:lstStyle/>
+          <a:p>
+            <a:r>
+              <a:rPr lang="en-US" dirty="0" smtClean="0"/>
+              <a:t>multi language</a:t>
+            </a:r>
+            <a:endParaRPr lang="en-US" dirty="0"/>
+          </a:p>
+        </p:txBody>
+      </p:sp>
+      <p:sp>
+        <p:nvSpPr>
+          <p:cNvPr id="3" name="Content Placeholder 2"/>
+          <p:cNvSpPr>
+            <a:spLocks noGrp="1"/>
+          </p:cNvSpPr>
+          <p:nvPr>
+            <p:ph idx="1"/>
+          </p:nvPr>
+        </p:nvSpPr>
+        <p:spPr/>
+        <p:txBody>
+          <a:bodyPr/>
+          <a:lstStyle/>
+          <a:p>
+            <a:r>
+              <a:rPr lang="en-US" dirty="0" smtClean="0"/>
+              <a:t>@</a:t>
+            </a:r>
+            <a:r>
+              <a:rPr lang="en-US" dirty="0" err="1" smtClean="0">
+                <a:solidFill>
+                  <a:srgbClr val="0070C0"/>
+                </a:solidFill>
+              </a:rPr>
+              <a:t>lang</a:t>
+            </a:r>
+            <a:r>
+              <a:rPr lang="en-US" dirty="0" smtClean="0"/>
+              <a:t>('</a:t>
+            </a:r>
+            <a:r>
+              <a:rPr lang="en-US" dirty="0" err="1" smtClean="0"/>
+              <a:t>messages.welcome</a:t>
+            </a:r>
+            <a:r>
+              <a:rPr lang="en-US" dirty="0" smtClean="0"/>
+              <a:t>')</a:t>
             </a:r>
           </a:p>
           <a:p>
